--- a/project4/Communication MR.pptx
+++ b/project4/Communication MR.pptx
@@ -105,6 +105,11 @@
       </a:defRPr>
     </a:lvl9pPr>
   </p:defaultTextStyle>
+  <p:extLst>
+    <p:ext uri="{EFAFB233-063F-42B5-8137-9DF3F51BA10A}">
+      <p15:sldGuideLst xmlns:p15="http://schemas.microsoft.com/office/powerpoint/2012/main"/>
+    </p:ext>
+  </p:extLst>
 </p:presentation>
 </file>
 
@@ -3952,7 +3957,7 @@
             <a:pPr algn="ctr"/>
             <a:r>
               <a:rPr lang="en-US" dirty="0"/>
-              <a:t>X-10</a:t>
+              <a:t>Wi-Fi</a:t>
             </a:r>
           </a:p>
         </p:txBody>
@@ -4000,10 +4005,9 @@
           <a:p>
             <a:pPr algn="ctr"/>
             <a:r>
-              <a:rPr lang="en-US" dirty="0" err="1"/>
-              <a:t>Insteon</a:t>
-            </a:r>
-            <a:endParaRPr lang="en-US" dirty="0"/>
+              <a:rPr lang="en-US" dirty="0"/>
+              <a:t>Bluetooth</a:t>
+            </a:r>
           </a:p>
         </p:txBody>
       </p:sp>
@@ -4051,7 +4055,7 @@
             <a:pPr algn="ctr"/>
             <a:r>
               <a:rPr lang="en-US" dirty="0"/>
-              <a:t>Arduino</a:t>
+              <a:t>Z-Wave</a:t>
             </a:r>
           </a:p>
         </p:txBody>
@@ -4100,7 +4104,7 @@
             <a:pPr algn="ctr"/>
             <a:r>
               <a:rPr lang="en-US" dirty="0"/>
-              <a:t>Z-Wave</a:t>
+              <a:t>X-10</a:t>
             </a:r>
           </a:p>
         </p:txBody>
@@ -4148,10 +4152,10 @@
           <a:p>
             <a:pPr algn="ctr"/>
             <a:r>
-              <a:rPr lang="en-US" dirty="0"/>
-              <a:t>ZigBee</a:t>
-            </a:r>
-            <a:endParaRPr lang="en-CA" dirty="0"/>
+              <a:rPr lang="en-US" dirty="0" err="1"/>
+              <a:t>Insteon</a:t>
+            </a:r>
+            <a:endParaRPr lang="en-US" dirty="0"/>
           </a:p>
         </p:txBody>
       </p:sp>
@@ -4198,10 +4202,9 @@
           <a:p>
             <a:pPr algn="ctr"/>
             <a:r>
-              <a:rPr lang="en-CA" dirty="0"/>
-              <a:t>Raspberry Pi </a:t>
-            </a:r>
-            <a:endParaRPr lang="en-US" dirty="0"/>
+              <a:rPr lang="en-US" dirty="0"/>
+              <a:t>ZigBee</a:t>
+            </a:r>
           </a:p>
         </p:txBody>
       </p:sp>
@@ -4383,6 +4386,7 @@
             </a:extLst>
           </p:cNvPr>
           <p:cNvCxnSpPr>
+            <a:cxnSpLocks/>
             <a:stCxn id="39" idx="3"/>
             <a:endCxn id="42" idx="0"/>
           </p:cNvCxnSpPr>
@@ -4425,6 +4429,7 @@
             </a:extLst>
           </p:cNvPr>
           <p:cNvCxnSpPr>
+            <a:cxnSpLocks/>
             <a:stCxn id="39" idx="5"/>
             <a:endCxn id="45" idx="0"/>
           </p:cNvCxnSpPr>

--- a/project4/Communication MR.pptx
+++ b/project4/Communication MR.pptx
@@ -262,7 +262,7 @@
           <a:p>
             <a:fld id="{9EABF524-86A7-4D09-B8D6-04B0E321D76A}" type="datetimeFigureOut">
               <a:rPr lang="en-CA" smtClean="0"/>
-              <a:t>2020-11-14</a:t>
+              <a:t>2020-11-15</a:t>
             </a:fld>
             <a:endParaRPr lang="en-CA"/>
           </a:p>
@@ -462,7 +462,7 @@
           <a:p>
             <a:fld id="{9EABF524-86A7-4D09-B8D6-04B0E321D76A}" type="datetimeFigureOut">
               <a:rPr lang="en-CA" smtClean="0"/>
-              <a:t>2020-11-14</a:t>
+              <a:t>2020-11-15</a:t>
             </a:fld>
             <a:endParaRPr lang="en-CA"/>
           </a:p>
@@ -672,7 +672,7 @@
           <a:p>
             <a:fld id="{9EABF524-86A7-4D09-B8D6-04B0E321D76A}" type="datetimeFigureOut">
               <a:rPr lang="en-CA" smtClean="0"/>
-              <a:t>2020-11-14</a:t>
+              <a:t>2020-11-15</a:t>
             </a:fld>
             <a:endParaRPr lang="en-CA"/>
           </a:p>
@@ -872,7 +872,7 @@
           <a:p>
             <a:fld id="{9EABF524-86A7-4D09-B8D6-04B0E321D76A}" type="datetimeFigureOut">
               <a:rPr lang="en-CA" smtClean="0"/>
-              <a:t>2020-11-14</a:t>
+              <a:t>2020-11-15</a:t>
             </a:fld>
             <a:endParaRPr lang="en-CA"/>
           </a:p>
@@ -1148,7 +1148,7 @@
           <a:p>
             <a:fld id="{9EABF524-86A7-4D09-B8D6-04B0E321D76A}" type="datetimeFigureOut">
               <a:rPr lang="en-CA" smtClean="0"/>
-              <a:t>2020-11-14</a:t>
+              <a:t>2020-11-15</a:t>
             </a:fld>
             <a:endParaRPr lang="en-CA"/>
           </a:p>
@@ -1416,7 +1416,7 @@
           <a:p>
             <a:fld id="{9EABF524-86A7-4D09-B8D6-04B0E321D76A}" type="datetimeFigureOut">
               <a:rPr lang="en-CA" smtClean="0"/>
-              <a:t>2020-11-14</a:t>
+              <a:t>2020-11-15</a:t>
             </a:fld>
             <a:endParaRPr lang="en-CA"/>
           </a:p>
@@ -1831,7 +1831,7 @@
           <a:p>
             <a:fld id="{9EABF524-86A7-4D09-B8D6-04B0E321D76A}" type="datetimeFigureOut">
               <a:rPr lang="en-CA" smtClean="0"/>
-              <a:t>2020-11-14</a:t>
+              <a:t>2020-11-15</a:t>
             </a:fld>
             <a:endParaRPr lang="en-CA"/>
           </a:p>
@@ -1973,7 +1973,7 @@
           <a:p>
             <a:fld id="{9EABF524-86A7-4D09-B8D6-04B0E321D76A}" type="datetimeFigureOut">
               <a:rPr lang="en-CA" smtClean="0"/>
-              <a:t>2020-11-14</a:t>
+              <a:t>2020-11-15</a:t>
             </a:fld>
             <a:endParaRPr lang="en-CA"/>
           </a:p>
@@ -2086,7 +2086,7 @@
           <a:p>
             <a:fld id="{9EABF524-86A7-4D09-B8D6-04B0E321D76A}" type="datetimeFigureOut">
               <a:rPr lang="en-CA" smtClean="0"/>
-              <a:t>2020-11-14</a:t>
+              <a:t>2020-11-15</a:t>
             </a:fld>
             <a:endParaRPr lang="en-CA"/>
           </a:p>
@@ -2399,7 +2399,7 @@
           <a:p>
             <a:fld id="{9EABF524-86A7-4D09-B8D6-04B0E321D76A}" type="datetimeFigureOut">
               <a:rPr lang="en-CA" smtClean="0"/>
-              <a:t>2020-11-14</a:t>
+              <a:t>2020-11-15</a:t>
             </a:fld>
             <a:endParaRPr lang="en-CA"/>
           </a:p>
@@ -2688,7 +2688,7 @@
           <a:p>
             <a:fld id="{9EABF524-86A7-4D09-B8D6-04B0E321D76A}" type="datetimeFigureOut">
               <a:rPr lang="en-CA" smtClean="0"/>
-              <a:t>2020-11-14</a:t>
+              <a:t>2020-11-15</a:t>
             </a:fld>
             <a:endParaRPr lang="en-CA"/>
           </a:p>
@@ -2931,7 +2931,7 @@
           <a:p>
             <a:fld id="{9EABF524-86A7-4D09-B8D6-04B0E321D76A}" type="datetimeFigureOut">
               <a:rPr lang="en-CA" smtClean="0"/>
-              <a:t>2020-11-14</a:t>
+              <a:t>2020-11-15</a:t>
             </a:fld>
             <a:endParaRPr lang="en-CA"/>
           </a:p>
@@ -3901,14 +3901,7 @@
             <a:pPr algn="ctr"/>
             <a:r>
               <a:rPr lang="en-US" dirty="0"/>
-              <a:t>Integration</a:t>
-            </a:r>
-          </a:p>
-          <a:p>
-            <a:pPr algn="ctr"/>
-            <a:r>
-              <a:rPr lang="en-US" dirty="0"/>
-              <a:t>Technologies</a:t>
+              <a:t>Protocols</a:t>
             </a:r>
           </a:p>
         </p:txBody>

--- a/project4/Communication MR.pptx
+++ b/project4/Communication MR.pptx
@@ -5,8 +5,11 @@
     <p:sldMasterId id="2147483648" r:id="rId1"/>
   </p:sldMasterIdLst>
   <p:sldIdLst>
-    <p:sldId id="256" r:id="rId2"/>
-    <p:sldId id="257" r:id="rId3"/>
+    <p:sldId id="259" r:id="rId2"/>
+    <p:sldId id="256" r:id="rId3"/>
+    <p:sldId id="258" r:id="rId4"/>
+    <p:sldId id="257" r:id="rId5"/>
+    <p:sldId id="260" r:id="rId6"/>
   </p:sldIdLst>
   <p:sldSz cx="12192000" cy="6858000"/>
   <p:notesSz cx="6858000" cy="9144000"/>
@@ -3350,6 +3353,70 @@
       </p:grpSpPr>
       <p:sp>
         <p:nvSpPr>
+          <p:cNvPr id="2" name="Title 1">
+            <a:extLst>
+              <a:ext uri="{FF2B5EF4-FFF2-40B4-BE49-F238E27FC236}">
+                <a16:creationId xmlns:a16="http://schemas.microsoft.com/office/drawing/2014/main" id="{E8A38896-6CA7-4657-B489-1518BE4DDF1B}"/>
+              </a:ext>
+            </a:extLst>
+          </p:cNvPr>
+          <p:cNvSpPr>
+            <a:spLocks noGrp="1"/>
+          </p:cNvSpPr>
+          <p:nvPr>
+            <p:ph type="title"/>
+          </p:nvPr>
+        </p:nvSpPr>
+        <p:spPr>
+          <a:xfrm>
+            <a:off x="838200" y="2766218"/>
+            <a:ext cx="10515600" cy="1325563"/>
+          </a:xfrm>
+        </p:spPr>
+        <p:txBody>
+          <a:bodyPr/>
+          <a:lstStyle/>
+          <a:p>
+            <a:pPr algn="ctr"/>
+            <a:r>
+              <a:rPr lang="en-US" dirty="0"/>
+              <a:t>Communication and Protocols</a:t>
+            </a:r>
+          </a:p>
+        </p:txBody>
+      </p:sp>
+    </p:spTree>
+    <p:extLst>
+      <p:ext uri="{BB962C8B-B14F-4D97-AF65-F5344CB8AC3E}">
+        <p14:creationId xmlns:p14="http://schemas.microsoft.com/office/powerpoint/2010/main" val="1150571410"/>
+      </p:ext>
+    </p:extLst>
+  </p:cSld>
+  <p:clrMapOvr>
+    <a:masterClrMapping/>
+  </p:clrMapOvr>
+</p:sld>
+</file>
+
+<file path=ppt/slides/slide2.xml><?xml version="1.0" encoding="utf-8"?>
+<p:sld xmlns:a="http://schemas.openxmlformats.org/drawingml/2006/main" xmlns:r="http://schemas.openxmlformats.org/officeDocument/2006/relationships" xmlns:p="http://schemas.openxmlformats.org/presentationml/2006/main">
+  <p:cSld>
+    <p:spTree>
+      <p:nvGrpSpPr>
+        <p:cNvPr id="1" name=""/>
+        <p:cNvGrpSpPr/>
+        <p:nvPr/>
+      </p:nvGrpSpPr>
+      <p:grpSpPr>
+        <a:xfrm>
+          <a:off x="0" y="0"/>
+          <a:ext cx="0" cy="0"/>
+          <a:chOff x="0" y="0"/>
+          <a:chExt cx="0" cy="0"/>
+        </a:xfrm>
+      </p:grpSpPr>
+      <p:sp>
+        <p:nvSpPr>
           <p:cNvPr id="18" name="Rectangle: Rounded Corners 17">
             <a:extLst>
               <a:ext uri="{FF2B5EF4-FFF2-40B4-BE49-F238E27FC236}">
@@ -4468,7 +4535,130 @@
 </p:sld>
 </file>
 
-<file path=ppt/slides/slide2.xml><?xml version="1.0" encoding="utf-8"?>
+<file path=ppt/slides/slide3.xml><?xml version="1.0" encoding="utf-8"?>
+<p:sld xmlns:a="http://schemas.openxmlformats.org/drawingml/2006/main" xmlns:r="http://schemas.openxmlformats.org/officeDocument/2006/relationships" xmlns:p="http://schemas.openxmlformats.org/presentationml/2006/main">
+  <p:cSld>
+    <p:spTree>
+      <p:nvGrpSpPr>
+        <p:cNvPr id="1" name=""/>
+        <p:cNvGrpSpPr/>
+        <p:nvPr/>
+      </p:nvGrpSpPr>
+      <p:grpSpPr>
+        <a:xfrm>
+          <a:off x="0" y="0"/>
+          <a:ext cx="0" cy="0"/>
+          <a:chOff x="0" y="0"/>
+          <a:chExt cx="0" cy="0"/>
+        </a:xfrm>
+      </p:grpSpPr>
+      <p:sp>
+        <p:nvSpPr>
+          <p:cNvPr id="2" name="Title 1">
+            <a:extLst>
+              <a:ext uri="{FF2B5EF4-FFF2-40B4-BE49-F238E27FC236}">
+                <a16:creationId xmlns:a16="http://schemas.microsoft.com/office/drawing/2014/main" id="{9909D415-86EA-4535-B5E5-774A60C089FE}"/>
+              </a:ext>
+            </a:extLst>
+          </p:cNvPr>
+          <p:cNvSpPr>
+            <a:spLocks noGrp="1"/>
+          </p:cNvSpPr>
+          <p:nvPr>
+            <p:ph type="title"/>
+          </p:nvPr>
+        </p:nvSpPr>
+        <p:spPr/>
+        <p:txBody>
+          <a:bodyPr/>
+          <a:lstStyle/>
+          <a:p>
+            <a:pPr algn="ctr"/>
+            <a:r>
+              <a:rPr lang="en-US" dirty="0"/>
+              <a:t>Arduino – Raspberry pi</a:t>
+            </a:r>
+          </a:p>
+        </p:txBody>
+      </p:sp>
+      <p:sp>
+        <p:nvSpPr>
+          <p:cNvPr id="3" name="Content Placeholder 2">
+            <a:extLst>
+              <a:ext uri="{FF2B5EF4-FFF2-40B4-BE49-F238E27FC236}">
+                <a16:creationId xmlns:a16="http://schemas.microsoft.com/office/drawing/2014/main" id="{A4EA9622-A0DC-42BE-BFB7-A63ADE863E9E}"/>
+              </a:ext>
+            </a:extLst>
+          </p:cNvPr>
+          <p:cNvSpPr>
+            <a:spLocks noGrp="1"/>
+          </p:cNvSpPr>
+          <p:nvPr>
+            <p:ph idx="1"/>
+          </p:nvPr>
+        </p:nvSpPr>
+        <p:spPr/>
+        <p:txBody>
+          <a:bodyPr/>
+          <a:lstStyle/>
+          <a:p>
+            <a:pPr marL="0" indent="0" algn="ctr">
+              <a:buNone/>
+            </a:pPr>
+            <a:r>
+              <a:rPr lang="en-US" dirty="0"/>
+              <a:t>Runs over Linux OS</a:t>
+            </a:r>
+          </a:p>
+          <a:p>
+            <a:endParaRPr lang="en-US" dirty="0"/>
+          </a:p>
+          <a:p>
+            <a:r>
+              <a:rPr lang="en-US" dirty="0"/>
+              <a:t>Advantage</a:t>
+            </a:r>
+          </a:p>
+          <a:p>
+            <a:pPr lvl="1"/>
+            <a:r>
+              <a:rPr lang="en-US" dirty="0"/>
+              <a:t>Not very possible for the software to break.</a:t>
+            </a:r>
+          </a:p>
+          <a:p>
+            <a:pPr lvl="1"/>
+            <a:endParaRPr lang="en-US" dirty="0"/>
+          </a:p>
+          <a:p>
+            <a:r>
+              <a:rPr lang="en-US" dirty="0"/>
+              <a:t>Disadvantage</a:t>
+            </a:r>
+          </a:p>
+          <a:p>
+            <a:pPr lvl="1"/>
+            <a:r>
+              <a:rPr lang="en-US" dirty="0"/>
+              <a:t>Linux security is the most vulnerable since Linux provides access to every file in the device.</a:t>
+            </a:r>
+          </a:p>
+        </p:txBody>
+      </p:sp>
+    </p:spTree>
+    <p:extLst>
+      <p:ext uri="{BB962C8B-B14F-4D97-AF65-F5344CB8AC3E}">
+        <p14:creationId xmlns:p14="http://schemas.microsoft.com/office/powerpoint/2010/main" val="1221665966"/>
+      </p:ext>
+    </p:extLst>
+  </p:cSld>
+  <p:clrMapOvr>
+    <a:masterClrMapping/>
+  </p:clrMapOvr>
+</p:sld>
+</file>
+
+<file path=ppt/slides/slide4.xml><?xml version="1.0" encoding="utf-8"?>
 <p:sld xmlns:a="http://schemas.openxmlformats.org/drawingml/2006/main" xmlns:r="http://schemas.openxmlformats.org/officeDocument/2006/relationships" xmlns:p="http://schemas.openxmlformats.org/presentationml/2006/main">
   <p:cSld>
     <p:bg>
@@ -4658,7 +4848,7 @@
         </p:blipFill>
         <p:spPr>
           <a:xfrm>
-            <a:off x="8075142" y="320511"/>
+            <a:off x="8075142" y="295344"/>
             <a:ext cx="3794760" cy="3930978"/>
           </a:xfrm>
           <a:prstGeom prst="rect">
@@ -4722,6 +4912,108 @@
     <p:extLst>
       <p:ext uri="{BB962C8B-B14F-4D97-AF65-F5344CB8AC3E}">
         <p14:creationId xmlns:p14="http://schemas.microsoft.com/office/powerpoint/2010/main" val="3941870594"/>
+      </p:ext>
+    </p:extLst>
+  </p:cSld>
+  <p:clrMapOvr>
+    <a:masterClrMapping/>
+  </p:clrMapOvr>
+</p:sld>
+</file>
+
+<file path=ppt/slides/slide5.xml><?xml version="1.0" encoding="utf-8"?>
+<p:sld xmlns:a="http://schemas.openxmlformats.org/drawingml/2006/main" xmlns:r="http://schemas.openxmlformats.org/officeDocument/2006/relationships" xmlns:p="http://schemas.openxmlformats.org/presentationml/2006/main">
+  <p:cSld>
+    <p:spTree>
+      <p:nvGrpSpPr>
+        <p:cNvPr id="1" name=""/>
+        <p:cNvGrpSpPr/>
+        <p:nvPr/>
+      </p:nvGrpSpPr>
+      <p:grpSpPr>
+        <a:xfrm>
+          <a:off x="0" y="0"/>
+          <a:ext cx="0" cy="0"/>
+          <a:chOff x="0" y="0"/>
+          <a:chExt cx="0" cy="0"/>
+        </a:xfrm>
+      </p:grpSpPr>
+      <p:sp>
+        <p:nvSpPr>
+          <p:cNvPr id="2" name="Title 1">
+            <a:extLst>
+              <a:ext uri="{FF2B5EF4-FFF2-40B4-BE49-F238E27FC236}">
+                <a16:creationId xmlns:a16="http://schemas.microsoft.com/office/drawing/2014/main" id="{F6EB37A7-7608-44CE-9596-67BA6DA05C37}"/>
+              </a:ext>
+            </a:extLst>
+          </p:cNvPr>
+          <p:cNvSpPr>
+            <a:spLocks noGrp="1"/>
+          </p:cNvSpPr>
+          <p:nvPr>
+            <p:ph type="title"/>
+          </p:nvPr>
+        </p:nvSpPr>
+        <p:spPr/>
+        <p:txBody>
+          <a:bodyPr/>
+          <a:lstStyle/>
+          <a:p>
+            <a:pPr algn="ctr"/>
+            <a:r>
+              <a:rPr lang="en-US" dirty="0"/>
+              <a:t>References</a:t>
+            </a:r>
+          </a:p>
+        </p:txBody>
+      </p:sp>
+      <p:sp>
+        <p:nvSpPr>
+          <p:cNvPr id="3" name="Content Placeholder 2">
+            <a:extLst>
+              <a:ext uri="{FF2B5EF4-FFF2-40B4-BE49-F238E27FC236}">
+                <a16:creationId xmlns:a16="http://schemas.microsoft.com/office/drawing/2014/main" id="{7409073D-93AA-44DC-B098-FF73AE7711E9}"/>
+              </a:ext>
+            </a:extLst>
+          </p:cNvPr>
+          <p:cNvSpPr>
+            <a:spLocks noGrp="1"/>
+          </p:cNvSpPr>
+          <p:nvPr>
+            <p:ph idx="1"/>
+          </p:nvPr>
+        </p:nvSpPr>
+        <p:spPr/>
+        <p:txBody>
+          <a:bodyPr/>
+          <a:lstStyle/>
+          <a:p>
+            <a:r>
+              <a:rPr lang="en-CA" dirty="0"/>
+              <a:t>- Goodwin, S. (2013) Smart home automation with Linux and Raspberry Pi. (Technology in Action). Berkeley CA? </a:t>
+            </a:r>
+            <a:r>
+              <a:rPr lang="en-CA" dirty="0" err="1"/>
+              <a:t>Apress</a:t>
+            </a:r>
+            <a:r>
+              <a:rPr lang="en-CA" dirty="0"/>
+              <a:t>.</a:t>
+            </a:r>
+          </a:p>
+          <a:p>
+            <a:r>
+              <a:rPr lang="en-CA" dirty="0"/>
+              <a:t>- Miller, M. (2017) My smart home for seniors. Indianapolis, Indiana: Que.</a:t>
+            </a:r>
+            <a:endParaRPr lang="en-US" dirty="0"/>
+          </a:p>
+        </p:txBody>
+      </p:sp>
+    </p:spTree>
+    <p:extLst>
+      <p:ext uri="{BB962C8B-B14F-4D97-AF65-F5344CB8AC3E}">
+        <p14:creationId xmlns:p14="http://schemas.microsoft.com/office/powerpoint/2010/main" val="1459763121"/>
       </p:ext>
     </p:extLst>
   </p:cSld>
